--- a/R140-JOTU2023-1esitys-vZ.pptx
+++ b/R140-JOTU2023-1esitys-vZ.pptx
@@ -10,9 +10,10 @@
     <p:sldId id="260" r:id="rId4"/>
     <p:sldId id="262" r:id="rId5"/>
     <p:sldId id="263" r:id="rId6"/>
-    <p:sldId id="264" r:id="rId7"/>
-    <p:sldId id="265" r:id="rId8"/>
-    <p:sldId id="266" r:id="rId9"/>
+    <p:sldId id="267" r:id="rId7"/>
+    <p:sldId id="264" r:id="rId8"/>
+    <p:sldId id="265" r:id="rId9"/>
+    <p:sldId id="266" r:id="rId10"/>
   </p:sldIdLst>
   <p:sldSz cx="12192000" cy="6858000"/>
   <p:notesSz cx="6858000" cy="9144000"/>
@@ -111,6 +112,11 @@
       </a:defRPr>
     </a:lvl9pPr>
   </p:defaultTextStyle>
+  <p:extLst>
+    <p:ext uri="{EFAFB233-063F-42B5-8137-9DF3F51BA10A}">
+      <p15:sldGuideLst xmlns:p15="http://schemas.microsoft.com/office/powerpoint/2012/main"/>
+    </p:ext>
+  </p:extLst>
 </p:presentation>
 </file>
 
@@ -3053,9 +3059,9 @@
     <dgm:cxn modelId="{A492DA37-6014-1F42-969B-FE6119415AD3}" srcId="{30A91D4E-C82F-D34A-8D07-D28D88D05E7E}" destId="{7C475AD7-E3F0-5B4C-A5D6-7CFD8695F783}" srcOrd="1" destOrd="0" parTransId="{042EC0D2-743E-164C-98AA-5A0C921FE7F9}" sibTransId="{DB41CB6E-851E-B040-8AFB-98769E06CAC5}"/>
     <dgm:cxn modelId="{0922C13C-DFAB-B74E-A013-A50419EBD2EE}" srcId="{AE0192A8-0A16-6B42-A703-C4E89799474D}" destId="{365E72A3-698A-7544-9FBB-76B4E83B1527}" srcOrd="3" destOrd="0" parTransId="{ABB65BCA-1D22-3941-9ED6-FB5901DE034E}" sibTransId="{33BE3BD0-67A8-4641-ADCB-5F31D4F82CE0}"/>
     <dgm:cxn modelId="{DE5AA13F-7B24-3745-8784-42027093E4D4}" type="presOf" srcId="{4A256E42-0811-374B-B051-F641256146EF}" destId="{9EAB6EC4-72C5-F64B-9C0C-516C368812F7}" srcOrd="0" destOrd="1" presId="urn:microsoft.com/office/officeart/2005/8/layout/vList5"/>
+    <dgm:cxn modelId="{191D4766-633D-9B49-8B56-5DC366C7BBE2}" type="presOf" srcId="{F073A23A-D343-F041-B427-52D07E03980B}" destId="{BFF0CD69-75F9-444A-B055-178DAFD52986}" srcOrd="0" destOrd="0" presId="urn:microsoft.com/office/officeart/2005/8/layout/vList5"/>
     <dgm:cxn modelId="{6E79BD52-7769-B842-9659-5FB80539CACB}" type="presOf" srcId="{30A91D4E-C82F-D34A-8D07-D28D88D05E7E}" destId="{4044AD47-2F07-8649-90A0-112985E6240D}" srcOrd="0" destOrd="0" presId="urn:microsoft.com/office/officeart/2005/8/layout/vList5"/>
     <dgm:cxn modelId="{AD4CB356-A4EF-A048-9DDB-C5103F5FF09E}" srcId="{BEF20FC8-BD5B-4544-8409-53C59B72DD72}" destId="{88BDE868-53D8-BA4A-A609-7C2E298BCC36}" srcOrd="0" destOrd="0" parTransId="{7756BF2F-4A93-0048-AA6C-783937B21075}" sibTransId="{838AB9A4-BAF2-CE49-844F-FE9862D47D63}"/>
-    <dgm:cxn modelId="{191D4766-633D-9B49-8B56-5DC366C7BBE2}" type="presOf" srcId="{F073A23A-D343-F041-B427-52D07E03980B}" destId="{BFF0CD69-75F9-444A-B055-178DAFD52986}" srcOrd="0" destOrd="0" presId="urn:microsoft.com/office/officeart/2005/8/layout/vList5"/>
     <dgm:cxn modelId="{81B8E279-9245-924D-B4E4-2E966B75C3B4}" srcId="{23D64C1E-82EE-D248-AB08-117B58A0419A}" destId="{85B454B9-F22F-A04D-A18F-D2FB12815404}" srcOrd="0" destOrd="0" parTransId="{E17918A0-B4BB-CC48-A542-90A53CA9A306}" sibTransId="{A13B5391-62EF-E842-8DEF-7E68EC939389}"/>
     <dgm:cxn modelId="{21F0807A-4A81-9348-8EF2-E22D016EAAD4}" type="presOf" srcId="{365E72A3-698A-7544-9FBB-76B4E83B1527}" destId="{AA6F6E08-54AC-3A48-9376-544C6E35B47F}" srcOrd="0" destOrd="0" presId="urn:microsoft.com/office/officeart/2005/8/layout/vList5"/>
     <dgm:cxn modelId="{29996E7E-3524-0F42-9F79-BD6D25C197EE}" srcId="{AE0192A8-0A16-6B42-A703-C4E89799474D}" destId="{23D64C1E-82EE-D248-AB08-117B58A0419A}" srcOrd="5" destOrd="0" parTransId="{BD3A175B-6B96-9347-ACE0-AD374EB0FCEA}" sibTransId="{93DB6AAE-1C3A-F34D-BA26-7A9C2A3809C7}"/>
@@ -3562,8 +3568,8 @@
     <dgm:cxn modelId="{1DB8741B-ED00-4541-9228-810ABBCA1DC5}" type="presOf" srcId="{1E6B6B9E-9F07-3847-A200-AAB44D27FAAA}" destId="{E8A91494-173C-5C42-ADD2-6346DC72956A}" srcOrd="0" destOrd="0" presId="urn:microsoft.com/office/officeart/2005/8/layout/hList1"/>
     <dgm:cxn modelId="{C482C626-94C3-ED46-97AA-FFB2C637C781}" srcId="{03D0BD00-DFC0-8A4F-A8E8-6F92AFC17A32}" destId="{1B83E38E-D690-504D-9D5A-C87562E4A846}" srcOrd="2" destOrd="0" parTransId="{A5720A62-10CD-5A4B-9651-2FB95D67090F}" sibTransId="{5D46ACAD-B8E2-4348-BC36-8D3D211D37E4}"/>
     <dgm:cxn modelId="{206A0A31-7D9E-3B47-AAF8-306B67D3FDEA}" type="presOf" srcId="{2732EE81-F07B-224A-8230-93B10BA60587}" destId="{CA30B320-6671-B640-915D-ECDB3F514540}" srcOrd="0" destOrd="0" presId="urn:microsoft.com/office/officeart/2005/8/layout/hList1"/>
+    <dgm:cxn modelId="{20EC3375-A94D-DE4E-B835-BC3F3FE3C2D9}" srcId="{03D0BD00-DFC0-8A4F-A8E8-6F92AFC17A32}" destId="{2732EE81-F07B-224A-8230-93B10BA60587}" srcOrd="0" destOrd="0" parTransId="{E2AAD37A-525D-3E4F-BA70-DF70C99E6D72}" sibTransId="{7E9D7266-67DC-F34B-90F8-F631AD5903B9}"/>
     <dgm:cxn modelId="{6F68C557-6305-F54F-A5B7-41DB1043BA50}" type="presOf" srcId="{03D0BD00-DFC0-8A4F-A8E8-6F92AFC17A32}" destId="{9590D845-F8A9-A740-9640-343CFA75A560}" srcOrd="0" destOrd="0" presId="urn:microsoft.com/office/officeart/2005/8/layout/hList1"/>
-    <dgm:cxn modelId="{20EC3375-A94D-DE4E-B835-BC3F3FE3C2D9}" srcId="{03D0BD00-DFC0-8A4F-A8E8-6F92AFC17A32}" destId="{2732EE81-F07B-224A-8230-93B10BA60587}" srcOrd="0" destOrd="0" parTransId="{E2AAD37A-525D-3E4F-BA70-DF70C99E6D72}" sibTransId="{7E9D7266-67DC-F34B-90F8-F631AD5903B9}"/>
     <dgm:cxn modelId="{10E46979-C5C7-304B-B263-9029EA00C07C}" srcId="{1E6B6B9E-9F07-3847-A200-AAB44D27FAAA}" destId="{799E4408-7229-DD4D-994E-3E355BF0096A}" srcOrd="0" destOrd="0" parTransId="{3E5C4696-33CF-E94B-85D5-938C5B1BA73A}" sibTransId="{70C00E50-A144-D448-8743-190E7B584D21}"/>
     <dgm:cxn modelId="{E22D9089-6F80-7D42-8F36-7C5B6BD18BC5}" type="presOf" srcId="{1B83E38E-D690-504D-9D5A-C87562E4A846}" destId="{041EBB2E-6FC7-0048-851B-852844E5413B}" srcOrd="0" destOrd="0" presId="urn:microsoft.com/office/officeart/2005/8/layout/hList1"/>
     <dgm:cxn modelId="{67CF80AA-709A-5942-89F9-EA0ADF51ED4A}" type="presOf" srcId="{C3C2D28A-B5C7-7947-8B5D-5D660D483DE2}" destId="{81976D4D-0DE4-9149-9445-1B7F32AF6946}" srcOrd="0" destOrd="0" presId="urn:microsoft.com/office/officeart/2005/8/layout/hList1"/>
@@ -10418,7 +10424,7 @@
           <a:p>
             <a:fld id="{CFBEA57F-793F-4683-BD8A-741FD4B89154}" type="datetime1">
               <a:rPr lang="en-US" smtClean="0"/>
-              <a:t>3/12/23</a:t>
+              <a:t>3/12/2023</a:t>
             </a:fld>
             <a:endParaRPr lang="en-US" dirty="0"/>
           </a:p>
@@ -10926,7 +10932,7 @@
           <a:p>
             <a:fld id="{CFBEA57F-793F-4683-BD8A-741FD4B89154}" type="datetime1">
               <a:rPr lang="en-US" smtClean="0"/>
-              <a:t>3/12/23</a:t>
+              <a:t>3/12/2023</a:t>
             </a:fld>
             <a:endParaRPr lang="en-US" dirty="0"/>
           </a:p>
@@ -11229,7 +11235,7 @@
           <a:p>
             <a:fld id="{CFBEA57F-793F-4683-BD8A-741FD4B89154}" type="datetime1">
               <a:rPr lang="en-US" smtClean="0"/>
-              <a:t>3/12/23</a:t>
+              <a:t>3/12/2023</a:t>
             </a:fld>
             <a:endParaRPr lang="en-US" dirty="0"/>
           </a:p>
@@ -11601,7 +11607,7 @@
           <a:p>
             <a:fld id="{CFBEA57F-793F-4683-BD8A-741FD4B89154}" type="datetime1">
               <a:rPr lang="en-US" smtClean="0"/>
-              <a:t>3/12/23</a:t>
+              <a:t>3/12/2023</a:t>
             </a:fld>
             <a:endParaRPr lang="en-US" dirty="0"/>
           </a:p>
@@ -12195,7 +12201,7 @@
           <a:p>
             <a:fld id="{CFBEA57F-793F-4683-BD8A-741FD4B89154}" type="datetime1">
               <a:rPr lang="en-US" smtClean="0"/>
-              <a:t>3/12/23</a:t>
+              <a:t>3/12/2023</a:t>
             </a:fld>
             <a:endParaRPr lang="en-US" dirty="0"/>
           </a:p>
@@ -12645,7 +12651,7 @@
           <a:p>
             <a:fld id="{CFBEA57F-793F-4683-BD8A-741FD4B89154}" type="datetime1">
               <a:rPr lang="en-US" smtClean="0"/>
-              <a:t>3/12/23</a:t>
+              <a:t>3/12/2023</a:t>
             </a:fld>
             <a:endParaRPr lang="en-US" dirty="0"/>
           </a:p>
@@ -12940,7 +12946,7 @@
           <a:p>
             <a:fld id="{CFBEA57F-793F-4683-BD8A-741FD4B89154}" type="datetime1">
               <a:rPr lang="en-US" smtClean="0"/>
-              <a:t>3/12/23</a:t>
+              <a:t>3/12/2023</a:t>
             </a:fld>
             <a:endParaRPr lang="en-US" dirty="0"/>
           </a:p>
@@ -13262,7 +13268,7 @@
           <a:p>
             <a:fld id="{CFBEA57F-793F-4683-BD8A-741FD4B89154}" type="datetime1">
               <a:rPr lang="en-US" smtClean="0"/>
-              <a:t>3/12/23</a:t>
+              <a:t>3/12/2023</a:t>
             </a:fld>
             <a:endParaRPr lang="en-US" dirty="0"/>
           </a:p>
@@ -14101,7 +14107,7 @@
           <a:p>
             <a:fld id="{CFBEA57F-793F-4683-BD8A-741FD4B89154}" type="datetime1">
               <a:rPr lang="en-US" smtClean="0"/>
-              <a:t>3/12/23</a:t>
+              <a:t>3/12/2023</a:t>
             </a:fld>
             <a:endParaRPr lang="en-US" dirty="0"/>
           </a:p>
@@ -14702,7 +14708,7 @@
           <a:p>
             <a:fld id="{CFBEA57F-793F-4683-BD8A-741FD4B89154}" type="datetime1">
               <a:rPr lang="en-US" smtClean="0"/>
-              <a:t>3/12/23</a:t>
+              <a:t>3/12/2023</a:t>
             </a:fld>
             <a:endParaRPr lang="en-US" dirty="0"/>
           </a:p>
@@ -14866,7 +14872,7 @@
           <a:p>
             <a:fld id="{CFBEA57F-793F-4683-BD8A-741FD4B89154}" type="datetime1">
               <a:rPr lang="en-US" smtClean="0"/>
-              <a:t>3/12/23</a:t>
+              <a:t>3/12/2023</a:t>
             </a:fld>
             <a:endParaRPr lang="en-US" dirty="0"/>
           </a:p>
@@ -16145,7 +16151,7 @@
                   <a:spcPts val="600"/>
                 </a:spcAft>
               </a:pPr>
-              <a:t>3/12/23</a:t>
+              <a:t>3/12/2023</a:t>
             </a:fld>
             <a:endParaRPr lang="en-US"/>
           </a:p>
@@ -16284,7 +16290,7 @@
           <a:p>
             <a:fld id="{CFBEA57F-793F-4683-BD8A-741FD4B89154}" type="datetime1">
               <a:rPr lang="en-US" smtClean="0"/>
-              <a:t>3/12/23</a:t>
+              <a:t>3/12/2023</a:t>
             </a:fld>
             <a:endParaRPr lang="en-US" dirty="0"/>
           </a:p>
@@ -17331,7 +17337,7 @@
           <a:p>
             <a:fld id="{CFBEA57F-793F-4683-BD8A-741FD4B89154}" type="datetime1">
               <a:rPr lang="en-US" smtClean="0"/>
-              <a:t>3/12/23</a:t>
+              <a:t>3/12/2023</a:t>
             </a:fld>
             <a:endParaRPr lang="en-US" dirty="0"/>
           </a:p>
@@ -17486,7 +17492,7 @@
           <a:p>
             <a:fld id="{CFBEA57F-793F-4683-BD8A-741FD4B89154}" type="datetime1">
               <a:rPr lang="en-US" smtClean="0"/>
-              <a:t>3/12/23</a:t>
+              <a:t>3/12/2023</a:t>
             </a:fld>
             <a:endParaRPr lang="en-US" dirty="0"/>
           </a:p>
@@ -17583,6 +17589,1552 @@
       </p:grpSpPr>
       <p:sp>
         <p:nvSpPr>
+          <p:cNvPr id="28" name="Title 2">
+            <a:extLst>
+              <a:ext uri="{FF2B5EF4-FFF2-40B4-BE49-F238E27FC236}">
+                <a16:creationId xmlns:a16="http://schemas.microsoft.com/office/drawing/2014/main" id="{114C09F9-341A-49C8-85D3-3A8B6C678AA3}"/>
+              </a:ext>
+            </a:extLst>
+          </p:cNvPr>
+          <p:cNvSpPr>
+            <a:spLocks noGrp="1"/>
+          </p:cNvSpPr>
+          <p:nvPr>
+            <p:ph type="title"/>
+          </p:nvPr>
+        </p:nvSpPr>
+        <p:spPr>
+          <a:xfrm>
+            <a:off x="1028700" y="999068"/>
+            <a:ext cx="10096500" cy="645284"/>
+          </a:xfrm>
+        </p:spPr>
+        <p:txBody>
+          <a:bodyPr/>
+          <a:lstStyle/>
+          <a:p>
+            <a:endParaRPr lang="en-US"/>
+          </a:p>
+        </p:txBody>
+      </p:sp>
+      <p:sp>
+        <p:nvSpPr>
+          <p:cNvPr id="4" name="Päivämäärän paikkamerkki 3">
+            <a:extLst>
+              <a:ext uri="{FF2B5EF4-FFF2-40B4-BE49-F238E27FC236}">
+                <a16:creationId xmlns:a16="http://schemas.microsoft.com/office/drawing/2014/main" id="{F5C56A26-761F-0C4E-5155-156BC414CE80}"/>
+              </a:ext>
+            </a:extLst>
+          </p:cNvPr>
+          <p:cNvSpPr>
+            <a:spLocks noGrp="1"/>
+          </p:cNvSpPr>
+          <p:nvPr>
+            <p:ph type="dt" sz="half" idx="11"/>
+          </p:nvPr>
+        </p:nvSpPr>
+        <p:spPr>
+          <a:xfrm>
+            <a:off x="9830818" y="6292334"/>
+            <a:ext cx="1522982" cy="182880"/>
+          </a:xfrm>
+        </p:spPr>
+        <p:txBody>
+          <a:bodyPr anchor="ctr">
+            <a:normAutofit/>
+          </a:bodyPr>
+          <a:lstStyle/>
+          <a:p>
+            <a:pPr>
+              <a:lnSpc>
+                <a:spcPct val="90000"/>
+              </a:lnSpc>
+              <a:spcAft>
+                <a:spcPts val="600"/>
+              </a:spcAft>
+            </a:pPr>
+            <a:fld id="{CFBEA57F-793F-4683-BD8A-741FD4B89154}" type="datetime1">
+              <a:rPr lang="en-US" sz="600" smtClean="0"/>
+              <a:pPr>
+                <a:lnSpc>
+                  <a:spcPct val="90000"/>
+                </a:lnSpc>
+                <a:spcAft>
+                  <a:spcPts val="600"/>
+                </a:spcAft>
+              </a:pPr>
+              <a:t>3/12/2023</a:t>
+            </a:fld>
+            <a:endParaRPr lang="en-US" sz="600"/>
+          </a:p>
+        </p:txBody>
+      </p:sp>
+      <p:sp>
+        <p:nvSpPr>
+          <p:cNvPr id="29" name="Footer Placeholder 4">
+            <a:extLst>
+              <a:ext uri="{FF2B5EF4-FFF2-40B4-BE49-F238E27FC236}">
+                <a16:creationId xmlns:a16="http://schemas.microsoft.com/office/drawing/2014/main" id="{D74F5AAE-C799-EC13-B904-5D7BE82D1499}"/>
+              </a:ext>
+            </a:extLst>
+          </p:cNvPr>
+          <p:cNvSpPr>
+            <a:spLocks noGrp="1"/>
+          </p:cNvSpPr>
+          <p:nvPr>
+            <p:ph type="ftr" sz="quarter" idx="12"/>
+          </p:nvPr>
+        </p:nvSpPr>
+        <p:spPr>
+          <a:xfrm>
+            <a:off x="8298180" y="6294120"/>
+            <a:ext cx="1462788" cy="182880"/>
+          </a:xfrm>
+        </p:spPr>
+        <p:txBody>
+          <a:bodyPr/>
+          <a:lstStyle/>
+          <a:p>
+            <a:endParaRPr lang="en-US"/>
+          </a:p>
+        </p:txBody>
+      </p:sp>
+      <p:sp>
+        <p:nvSpPr>
+          <p:cNvPr id="6" name="Dian numeron paikkamerkki 5">
+            <a:extLst>
+              <a:ext uri="{FF2B5EF4-FFF2-40B4-BE49-F238E27FC236}">
+                <a16:creationId xmlns:a16="http://schemas.microsoft.com/office/drawing/2014/main" id="{75158DBF-F988-0093-4BBB-E08D351B2B94}"/>
+              </a:ext>
+            </a:extLst>
+          </p:cNvPr>
+          <p:cNvSpPr>
+            <a:spLocks noGrp="1"/>
+          </p:cNvSpPr>
+          <p:nvPr>
+            <p:ph type="sldNum" sz="quarter" idx="13"/>
+          </p:nvPr>
+        </p:nvSpPr>
+        <p:spPr>
+          <a:xfrm>
+            <a:off x="11493500" y="6292334"/>
+            <a:ext cx="412750" cy="182880"/>
+          </a:xfrm>
+        </p:spPr>
+        <p:txBody>
+          <a:bodyPr anchor="ctr">
+            <a:normAutofit/>
+          </a:bodyPr>
+          <a:lstStyle/>
+          <a:p>
+            <a:pPr>
+              <a:lnSpc>
+                <a:spcPct val="90000"/>
+              </a:lnSpc>
+              <a:spcAft>
+                <a:spcPts val="600"/>
+              </a:spcAft>
+            </a:pPr>
+            <a:fld id="{81D2C36F-4504-47C0-B82F-A167342A2754}" type="slidenum">
+              <a:rPr lang="en-US" sz="600" smtClean="0"/>
+              <a:pPr>
+                <a:lnSpc>
+                  <a:spcPct val="90000"/>
+                </a:lnSpc>
+                <a:spcAft>
+                  <a:spcPts val="600"/>
+                </a:spcAft>
+              </a:pPr>
+              <a:t>6</a:t>
+            </a:fld>
+            <a:endParaRPr lang="en-US" sz="600"/>
+          </a:p>
+        </p:txBody>
+      </p:sp>
+      <p:graphicFrame>
+        <p:nvGraphicFramePr>
+          <p:cNvPr id="12" name="Taulukon paikkamerkki 11">
+            <a:extLst>
+              <a:ext uri="{FF2B5EF4-FFF2-40B4-BE49-F238E27FC236}">
+                <a16:creationId xmlns:a16="http://schemas.microsoft.com/office/drawing/2014/main" id="{DC34C80F-E156-7634-E493-209B57901E0A}"/>
+              </a:ext>
+            </a:extLst>
+          </p:cNvPr>
+          <p:cNvGraphicFramePr>
+            <a:graphicFrameLocks noGrp="1"/>
+          </p:cNvGraphicFramePr>
+          <p:nvPr>
+            <p:ph type="tbl" sz="quarter" idx="10"/>
+            <p:extLst>
+              <p:ext uri="{D42A27DB-BD31-4B8C-83A1-F6EECF244321}">
+                <p14:modId xmlns:p14="http://schemas.microsoft.com/office/powerpoint/2010/main" val="3384432516"/>
+              </p:ext>
+            </p:extLst>
+          </p:nvPr>
+        </p:nvGraphicFramePr>
+        <p:xfrm>
+          <a:off x="534256" y="2024009"/>
+          <a:ext cx="10448817" cy="3421292"/>
+        </p:xfrm>
+        <a:graphic>
+          <a:graphicData uri="http://schemas.openxmlformats.org/drawingml/2006/table">
+            <a:tbl>
+              <a:tblPr firstRow="1" bandRow="1">
+                <a:tableStyleId>{5C22544A-7EE6-4342-B048-85BDC9FD1C3A}</a:tableStyleId>
+              </a:tblPr>
+              <a:tblGrid>
+                <a:gridCol w="957066">
+                  <a:extLst>
+                    <a:ext uri="{9D8B030D-6E8A-4147-A177-3AD203B41FA5}">
+                      <a16:colId xmlns:a16="http://schemas.microsoft.com/office/drawing/2014/main" val="3993873520"/>
+                    </a:ext>
+                  </a:extLst>
+                </a:gridCol>
+                <a:gridCol w="678100">
+                  <a:extLst>
+                    <a:ext uri="{9D8B030D-6E8A-4147-A177-3AD203B41FA5}">
+                      <a16:colId xmlns:a16="http://schemas.microsoft.com/office/drawing/2014/main" val="2485110922"/>
+                    </a:ext>
+                  </a:extLst>
+                </a:gridCol>
+                <a:gridCol w="2008860">
+                  <a:extLst>
+                    <a:ext uri="{9D8B030D-6E8A-4147-A177-3AD203B41FA5}">
+                      <a16:colId xmlns:a16="http://schemas.microsoft.com/office/drawing/2014/main" val="4172391700"/>
+                    </a:ext>
+                  </a:extLst>
+                </a:gridCol>
+                <a:gridCol w="955732">
+                  <a:extLst>
+                    <a:ext uri="{9D8B030D-6E8A-4147-A177-3AD203B41FA5}">
+                      <a16:colId xmlns:a16="http://schemas.microsoft.com/office/drawing/2014/main" val="2963815338"/>
+                    </a:ext>
+                  </a:extLst>
+                </a:gridCol>
+                <a:gridCol w="1950131">
+                  <a:extLst>
+                    <a:ext uri="{9D8B030D-6E8A-4147-A177-3AD203B41FA5}">
+                      <a16:colId xmlns:a16="http://schemas.microsoft.com/office/drawing/2014/main" val="2272643149"/>
+                    </a:ext>
+                  </a:extLst>
+                </a:gridCol>
+                <a:gridCol w="1721887">
+                  <a:extLst>
+                    <a:ext uri="{9D8B030D-6E8A-4147-A177-3AD203B41FA5}">
+                      <a16:colId xmlns:a16="http://schemas.microsoft.com/office/drawing/2014/main" val="2469543718"/>
+                    </a:ext>
+                  </a:extLst>
+                </a:gridCol>
+                <a:gridCol w="2177041">
+                  <a:extLst>
+                    <a:ext uri="{9D8B030D-6E8A-4147-A177-3AD203B41FA5}">
+                      <a16:colId xmlns:a16="http://schemas.microsoft.com/office/drawing/2014/main" val="334667374"/>
+                    </a:ext>
+                  </a:extLst>
+                </a:gridCol>
+              </a:tblGrid>
+              <a:tr h="452640">
+                <a:tc>
+                  <a:txBody>
+                    <a:bodyPr/>
+                    <a:lstStyle/>
+                    <a:p>
+                      <a:pPr algn="l" fontAlgn="ctr"/>
+                      <a:r>
+                        <a:rPr lang="fi-FI" sz="700" u="none" strike="noStrike" dirty="0">
+                          <a:effectLst/>
+                        </a:rPr>
+                        <a:t>Sidosryhmäluokka</a:t>
+                      </a:r>
+                      <a:endParaRPr lang="fi-FI" sz="700" b="1" i="0" u="none" strike="noStrike" dirty="0">
+                        <a:solidFill>
+                          <a:srgbClr val="000000"/>
+                        </a:solidFill>
+                        <a:effectLst/>
+                        <a:latin typeface="Calibri" panose="020F0502020204030204" pitchFamily="34" charset="0"/>
+                      </a:endParaRPr>
+                    </a:p>
+                  </a:txBody>
+                  <a:tcPr marL="2797" marR="2797" marT="2797" marB="0" anchor="ctr"/>
+                </a:tc>
+                <a:tc>
+                  <a:txBody>
+                    <a:bodyPr/>
+                    <a:lstStyle/>
+                    <a:p>
+                      <a:pPr algn="l" fontAlgn="ctr"/>
+                      <a:r>
+                        <a:rPr lang="fi-FI" sz="700" u="none" strike="noStrike">
+                          <a:effectLst/>
+                        </a:rPr>
+                        <a:t>Sidosryhmä</a:t>
+                      </a:r>
+                      <a:endParaRPr lang="fi-FI" sz="700" b="1" i="0" u="none" strike="noStrike">
+                        <a:solidFill>
+                          <a:srgbClr val="000000"/>
+                        </a:solidFill>
+                        <a:effectLst/>
+                        <a:latin typeface="Calibri" panose="020F0502020204030204" pitchFamily="34" charset="0"/>
+                      </a:endParaRPr>
+                    </a:p>
+                  </a:txBody>
+                  <a:tcPr marL="2797" marR="2797" marT="2797" marB="0" anchor="ctr"/>
+                </a:tc>
+                <a:tc>
+                  <a:txBody>
+                    <a:bodyPr/>
+                    <a:lstStyle/>
+                    <a:p>
+                      <a:pPr algn="l" fontAlgn="ctr"/>
+                      <a:r>
+                        <a:rPr lang="fi-FI" sz="700" u="none" strike="noStrike">
+                          <a:effectLst/>
+                        </a:rPr>
+                        <a:t>Rooli</a:t>
+                      </a:r>
+                      <a:endParaRPr lang="fi-FI" sz="700" b="1" i="0" u="none" strike="noStrike">
+                        <a:solidFill>
+                          <a:srgbClr val="000000"/>
+                        </a:solidFill>
+                        <a:effectLst/>
+                        <a:latin typeface="Calibri" panose="020F0502020204030204" pitchFamily="34" charset="0"/>
+                      </a:endParaRPr>
+                    </a:p>
+                  </a:txBody>
+                  <a:tcPr marL="2797" marR="2797" marT="2797" marB="0" anchor="ctr"/>
+                </a:tc>
+                <a:tc>
+                  <a:txBody>
+                    <a:bodyPr/>
+                    <a:lstStyle/>
+                    <a:p>
+                      <a:pPr algn="l" fontAlgn="ctr"/>
+                      <a:r>
+                        <a:rPr lang="fi-FI" sz="700" u="none" strike="noStrike">
+                          <a:effectLst/>
+                        </a:rPr>
+                        <a:t>Vaatimustenkeruu-menetelmä</a:t>
+                      </a:r>
+                      <a:endParaRPr lang="fi-FI" sz="700" b="1" i="0" u="none" strike="noStrike">
+                        <a:solidFill>
+                          <a:srgbClr val="000000"/>
+                        </a:solidFill>
+                        <a:effectLst/>
+                        <a:latin typeface="Calibri" panose="020F0502020204030204" pitchFamily="34" charset="0"/>
+                      </a:endParaRPr>
+                    </a:p>
+                  </a:txBody>
+                  <a:tcPr marL="2797" marR="2797" marT="2797" marB="0" anchor="ctr"/>
+                </a:tc>
+                <a:tc>
+                  <a:txBody>
+                    <a:bodyPr/>
+                    <a:lstStyle/>
+                    <a:p>
+                      <a:pPr algn="l" fontAlgn="ctr"/>
+                      <a:r>
+                        <a:rPr lang="fi-FI" sz="700" u="none" strike="noStrike">
+                          <a:effectLst/>
+                        </a:rPr>
+                        <a:t>Sidosryhmän perustelu</a:t>
+                      </a:r>
+                      <a:endParaRPr lang="fi-FI" sz="700" b="1" i="0" u="none" strike="noStrike">
+                        <a:solidFill>
+                          <a:srgbClr val="000000"/>
+                        </a:solidFill>
+                        <a:effectLst/>
+                        <a:latin typeface="Calibri" panose="020F0502020204030204" pitchFamily="34" charset="0"/>
+                      </a:endParaRPr>
+                    </a:p>
+                  </a:txBody>
+                  <a:tcPr marL="2797" marR="2797" marT="2797" marB="0" anchor="ctr"/>
+                </a:tc>
+                <a:tc>
+                  <a:txBody>
+                    <a:bodyPr/>
+                    <a:lstStyle/>
+                    <a:p>
+                      <a:pPr algn="l" fontAlgn="ctr"/>
+                      <a:r>
+                        <a:rPr lang="fi-FI" sz="700" u="none" strike="noStrike">
+                          <a:effectLst/>
+                        </a:rPr>
+                        <a:t>Tarvittava osallistuminen</a:t>
+                      </a:r>
+                      <a:endParaRPr lang="fi-FI" sz="700" b="1" i="0" u="none" strike="noStrike">
+                        <a:solidFill>
+                          <a:srgbClr val="000000"/>
+                        </a:solidFill>
+                        <a:effectLst/>
+                        <a:latin typeface="Calibri" panose="020F0502020204030204" pitchFamily="34" charset="0"/>
+                      </a:endParaRPr>
+                    </a:p>
+                  </a:txBody>
+                  <a:tcPr marL="2797" marR="2797" marT="2797" marB="0" anchor="ctr"/>
+                </a:tc>
+                <a:tc>
+                  <a:txBody>
+                    <a:bodyPr/>
+                    <a:lstStyle/>
+                    <a:p>
+                      <a:pPr algn="l" fontAlgn="ctr"/>
+                      <a:r>
+                        <a:rPr lang="fi-FI" sz="700" u="none" strike="noStrike">
+                          <a:effectLst/>
+                        </a:rPr>
+                        <a:t>Odotukset vaatimuksista</a:t>
+                      </a:r>
+                      <a:endParaRPr lang="fi-FI" sz="700" b="1" i="0" u="none" strike="noStrike">
+                        <a:solidFill>
+                          <a:srgbClr val="000000"/>
+                        </a:solidFill>
+                        <a:effectLst/>
+                        <a:latin typeface="Calibri" panose="020F0502020204030204" pitchFamily="34" charset="0"/>
+                      </a:endParaRPr>
+                    </a:p>
+                  </a:txBody>
+                  <a:tcPr marL="2797" marR="2797" marT="2797" marB="0" anchor="ctr"/>
+                </a:tc>
+                <a:extLst>
+                  <a:ext uri="{0D108BD9-81ED-4DB2-BD59-A6C34878D82A}">
+                    <a16:rowId xmlns:a16="http://schemas.microsoft.com/office/drawing/2014/main" val="4234043387"/>
+                  </a:ext>
+                </a:extLst>
+              </a:tr>
+              <a:tr h="252812">
+                <a:tc gridSpan="7">
+                  <a:txBody>
+                    <a:bodyPr/>
+                    <a:lstStyle/>
+                    <a:p>
+                      <a:pPr algn="l" fontAlgn="b"/>
+                      <a:r>
+                        <a:rPr lang="fi-FI" sz="700" u="none" strike="noStrike">
+                          <a:effectLst/>
+                        </a:rPr>
+                        <a:t> </a:t>
+                      </a:r>
+                      <a:endParaRPr lang="fi-FI" sz="700" b="1" i="0" u="none" strike="noStrike">
+                        <a:solidFill>
+                          <a:srgbClr val="000000"/>
+                        </a:solidFill>
+                        <a:effectLst/>
+                        <a:latin typeface="Calibri" panose="020F0502020204030204" pitchFamily="34" charset="0"/>
+                      </a:endParaRPr>
+                    </a:p>
+                  </a:txBody>
+                  <a:tcPr marL="2797" marR="2797" marT="2797" marB="0" anchor="b"/>
+                </a:tc>
+                <a:tc hMerge="1">
+                  <a:txBody>
+                    <a:bodyPr/>
+                    <a:lstStyle/>
+                    <a:p>
+                      <a:endParaRPr lang="fi-FI"/>
+                    </a:p>
+                  </a:txBody>
+                  <a:tcPr/>
+                </a:tc>
+                <a:tc hMerge="1">
+                  <a:txBody>
+                    <a:bodyPr/>
+                    <a:lstStyle/>
+                    <a:p>
+                      <a:endParaRPr lang="fi-FI"/>
+                    </a:p>
+                  </a:txBody>
+                  <a:tcPr/>
+                </a:tc>
+                <a:tc hMerge="1">
+                  <a:txBody>
+                    <a:bodyPr/>
+                    <a:lstStyle/>
+                    <a:p>
+                      <a:endParaRPr lang="fi-FI"/>
+                    </a:p>
+                  </a:txBody>
+                  <a:tcPr/>
+                </a:tc>
+                <a:tc hMerge="1">
+                  <a:txBody>
+                    <a:bodyPr/>
+                    <a:lstStyle/>
+                    <a:p>
+                      <a:endParaRPr lang="fi-FI"/>
+                    </a:p>
+                  </a:txBody>
+                  <a:tcPr/>
+                </a:tc>
+                <a:tc hMerge="1">
+                  <a:txBody>
+                    <a:bodyPr/>
+                    <a:lstStyle/>
+                    <a:p>
+                      <a:endParaRPr lang="fi-FI"/>
+                    </a:p>
+                  </a:txBody>
+                  <a:tcPr/>
+                </a:tc>
+                <a:tc hMerge="1">
+                  <a:txBody>
+                    <a:bodyPr/>
+                    <a:lstStyle/>
+                    <a:p>
+                      <a:endParaRPr lang="fi-FI"/>
+                    </a:p>
+                  </a:txBody>
+                  <a:tcPr/>
+                </a:tc>
+                <a:extLst>
+                  <a:ext uri="{0D108BD9-81ED-4DB2-BD59-A6C34878D82A}">
+                    <a16:rowId xmlns:a16="http://schemas.microsoft.com/office/drawing/2014/main" val="2406845988"/>
+                  </a:ext>
+                </a:extLst>
+              </a:tr>
+              <a:tr h="452640">
+                <a:tc>
+                  <a:txBody>
+                    <a:bodyPr/>
+                    <a:lstStyle/>
+                    <a:p>
+                      <a:pPr algn="l" fontAlgn="b"/>
+                      <a:r>
+                        <a:rPr lang="fi-FI" sz="700" u="none" strike="noStrike">
+                          <a:effectLst/>
+                        </a:rPr>
+                        <a:t>Sisällöntuottaja</a:t>
+                      </a:r>
+                      <a:endParaRPr lang="fi-FI" sz="700" b="0" i="0" u="none" strike="noStrike">
+                        <a:solidFill>
+                          <a:srgbClr val="000000"/>
+                        </a:solidFill>
+                        <a:effectLst/>
+                        <a:latin typeface="Calibri" panose="020F0502020204030204" pitchFamily="34" charset="0"/>
+                      </a:endParaRPr>
+                    </a:p>
+                  </a:txBody>
+                  <a:tcPr marL="2797" marR="2797" marT="2797" marB="0" anchor="b"/>
+                </a:tc>
+                <a:tc>
+                  <a:txBody>
+                    <a:bodyPr/>
+                    <a:lstStyle/>
+                    <a:p>
+                      <a:pPr algn="l" fontAlgn="b"/>
+                      <a:r>
+                        <a:rPr lang="fi-FI" sz="700" u="none" strike="noStrike">
+                          <a:effectLst/>
+                        </a:rPr>
+                        <a:t>Waterfall</a:t>
+                      </a:r>
+                      <a:endParaRPr lang="fi-FI" sz="700" b="0" i="0" u="none" strike="noStrike">
+                        <a:solidFill>
+                          <a:srgbClr val="000000"/>
+                        </a:solidFill>
+                        <a:effectLst/>
+                        <a:latin typeface="Calibri" panose="020F0502020204030204" pitchFamily="34" charset="0"/>
+                      </a:endParaRPr>
+                    </a:p>
+                  </a:txBody>
+                  <a:tcPr marL="2797" marR="2797" marT="2797" marB="0" anchor="b"/>
+                </a:tc>
+                <a:tc>
+                  <a:txBody>
+                    <a:bodyPr/>
+                    <a:lstStyle/>
+                    <a:p>
+                      <a:pPr algn="l" fontAlgn="b"/>
+                      <a:r>
+                        <a:rPr lang="fi-FI" sz="700" u="none" strike="noStrike">
+                          <a:effectLst/>
+                        </a:rPr>
+                        <a:t>Sähkön hintatietojen tarjoaja</a:t>
+                      </a:r>
+                      <a:endParaRPr lang="fi-FI" sz="700" b="0" i="0" u="none" strike="noStrike">
+                        <a:solidFill>
+                          <a:srgbClr val="000000"/>
+                        </a:solidFill>
+                        <a:effectLst/>
+                        <a:latin typeface="Calibri" panose="020F0502020204030204" pitchFamily="34" charset="0"/>
+                      </a:endParaRPr>
+                    </a:p>
+                  </a:txBody>
+                  <a:tcPr marL="2797" marR="2797" marT="2797" marB="0" anchor="b"/>
+                </a:tc>
+                <a:tc>
+                  <a:txBody>
+                    <a:bodyPr/>
+                    <a:lstStyle/>
+                    <a:p>
+                      <a:pPr algn="l" fontAlgn="b"/>
+                      <a:r>
+                        <a:rPr lang="fi-FI" sz="700" u="none" strike="noStrike">
+                          <a:effectLst/>
+                        </a:rPr>
+                        <a:t>Haastattelu</a:t>
+                      </a:r>
+                      <a:endParaRPr lang="fi-FI" sz="700" b="0" i="0" u="none" strike="noStrike">
+                        <a:solidFill>
+                          <a:srgbClr val="000000"/>
+                        </a:solidFill>
+                        <a:effectLst/>
+                        <a:latin typeface="Calibri" panose="020F0502020204030204" pitchFamily="34" charset="0"/>
+                      </a:endParaRPr>
+                    </a:p>
+                  </a:txBody>
+                  <a:tcPr marL="2797" marR="2797" marT="2797" marB="0" anchor="b"/>
+                </a:tc>
+                <a:tc>
+                  <a:txBody>
+                    <a:bodyPr/>
+                    <a:lstStyle/>
+                    <a:p>
+                      <a:pPr algn="l" fontAlgn="b"/>
+                      <a:r>
+                        <a:rPr lang="fi-FI" sz="700" u="none" strike="noStrike">
+                          <a:effectLst/>
+                        </a:rPr>
+                        <a:t>Tarjoaa hintavahti-API:n, jota käytetään sähkön hintatietojen keräämiseen</a:t>
+                      </a:r>
+                      <a:endParaRPr lang="fi-FI" sz="700" b="0" i="0" u="none" strike="noStrike">
+                        <a:solidFill>
+                          <a:srgbClr val="000000"/>
+                        </a:solidFill>
+                        <a:effectLst/>
+                        <a:latin typeface="Calibri" panose="020F0502020204030204" pitchFamily="34" charset="0"/>
+                      </a:endParaRPr>
+                    </a:p>
+                  </a:txBody>
+                  <a:tcPr marL="2797" marR="2797" marT="2797" marB="0" anchor="b"/>
+                </a:tc>
+                <a:tc>
+                  <a:txBody>
+                    <a:bodyPr/>
+                    <a:lstStyle/>
+                    <a:p>
+                      <a:pPr algn="l" fontAlgn="b"/>
+                      <a:r>
+                        <a:rPr lang="fi-FI" sz="700" u="none" strike="noStrike">
+                          <a:effectLst/>
+                        </a:rPr>
+                        <a:t>Koko projektin ajan mukana toiminnassa</a:t>
+                      </a:r>
+                      <a:endParaRPr lang="fi-FI" sz="700" b="0" i="0" u="none" strike="noStrike">
+                        <a:solidFill>
+                          <a:srgbClr val="000000"/>
+                        </a:solidFill>
+                        <a:effectLst/>
+                        <a:latin typeface="Calibri" panose="020F0502020204030204" pitchFamily="34" charset="0"/>
+                      </a:endParaRPr>
+                    </a:p>
+                  </a:txBody>
+                  <a:tcPr marL="2797" marR="2797" marT="2797" marB="0" anchor="b"/>
+                </a:tc>
+                <a:tc>
+                  <a:txBody>
+                    <a:bodyPr/>
+                    <a:lstStyle/>
+                    <a:p>
+                      <a:pPr algn="l" fontAlgn="b"/>
+                      <a:r>
+                        <a:rPr lang="fi-FI" sz="700" u="none" strike="noStrike">
+                          <a:effectLst/>
+                        </a:rPr>
+                        <a:t>Hintavahti-API:n yhteensopivuuteen liittyviä</a:t>
+                      </a:r>
+                      <a:endParaRPr lang="fi-FI" sz="700" b="0" i="0" u="none" strike="noStrike">
+                        <a:solidFill>
+                          <a:srgbClr val="000000"/>
+                        </a:solidFill>
+                        <a:effectLst/>
+                        <a:latin typeface="Calibri" panose="020F0502020204030204" pitchFamily="34" charset="0"/>
+                      </a:endParaRPr>
+                    </a:p>
+                  </a:txBody>
+                  <a:tcPr marL="2797" marR="2797" marT="2797" marB="0" anchor="b"/>
+                </a:tc>
+                <a:extLst>
+                  <a:ext uri="{0D108BD9-81ED-4DB2-BD59-A6C34878D82A}">
+                    <a16:rowId xmlns:a16="http://schemas.microsoft.com/office/drawing/2014/main" val="2381446545"/>
+                  </a:ext>
+                </a:extLst>
+              </a:tr>
+              <a:tr h="452640">
+                <a:tc>
+                  <a:txBody>
+                    <a:bodyPr/>
+                    <a:lstStyle/>
+                    <a:p>
+                      <a:pPr algn="l" fontAlgn="b"/>
+                      <a:r>
+                        <a:rPr lang="fi-FI" sz="700" u="none" strike="noStrike">
+                          <a:effectLst/>
+                        </a:rPr>
+                        <a:t>Sisällöntuottaja</a:t>
+                      </a:r>
+                      <a:endParaRPr lang="fi-FI" sz="700" b="0" i="0" u="none" strike="noStrike">
+                        <a:solidFill>
+                          <a:srgbClr val="000000"/>
+                        </a:solidFill>
+                        <a:effectLst/>
+                        <a:latin typeface="Calibri" panose="020F0502020204030204" pitchFamily="34" charset="0"/>
+                      </a:endParaRPr>
+                    </a:p>
+                  </a:txBody>
+                  <a:tcPr marL="2797" marR="2797" marT="2797" marB="0" anchor="b"/>
+                </a:tc>
+                <a:tc>
+                  <a:txBody>
+                    <a:bodyPr/>
+                    <a:lstStyle/>
+                    <a:p>
+                      <a:pPr algn="l" fontAlgn="b"/>
+                      <a:r>
+                        <a:rPr lang="fi-FI" sz="700" u="none" strike="noStrike">
+                          <a:effectLst/>
+                        </a:rPr>
+                        <a:t>Radiochip</a:t>
+                      </a:r>
+                      <a:endParaRPr lang="fi-FI" sz="700" b="0" i="0" u="none" strike="noStrike">
+                        <a:solidFill>
+                          <a:srgbClr val="000000"/>
+                        </a:solidFill>
+                        <a:effectLst/>
+                        <a:latin typeface="Calibri" panose="020F0502020204030204" pitchFamily="34" charset="0"/>
+                      </a:endParaRPr>
+                    </a:p>
+                  </a:txBody>
+                  <a:tcPr marL="2797" marR="2797" marT="2797" marB="0" anchor="b"/>
+                </a:tc>
+                <a:tc>
+                  <a:txBody>
+                    <a:bodyPr/>
+                    <a:lstStyle/>
+                    <a:p>
+                      <a:pPr algn="l" fontAlgn="b"/>
+                      <a:r>
+                        <a:rPr lang="fi-FI" sz="700" u="none" strike="noStrike">
+                          <a:effectLst/>
+                        </a:rPr>
+                        <a:t>Törkkelin ja sovelluksen väliseen kommunikointiin tarvittavan sirun tarjoaja</a:t>
+                      </a:r>
+                      <a:endParaRPr lang="fi-FI" sz="700" b="0" i="0" u="none" strike="noStrike">
+                        <a:solidFill>
+                          <a:srgbClr val="000000"/>
+                        </a:solidFill>
+                        <a:effectLst/>
+                        <a:latin typeface="Calibri" panose="020F0502020204030204" pitchFamily="34" charset="0"/>
+                      </a:endParaRPr>
+                    </a:p>
+                  </a:txBody>
+                  <a:tcPr marL="2797" marR="2797" marT="2797" marB="0" anchor="b"/>
+                </a:tc>
+                <a:tc>
+                  <a:txBody>
+                    <a:bodyPr/>
+                    <a:lstStyle/>
+                    <a:p>
+                      <a:pPr algn="l" fontAlgn="b"/>
+                      <a:r>
+                        <a:rPr lang="fi-FI" sz="700" u="none" strike="noStrike">
+                          <a:effectLst/>
+                        </a:rPr>
+                        <a:t>Haastattelu</a:t>
+                      </a:r>
+                      <a:endParaRPr lang="fi-FI" sz="700" b="0" i="0" u="none" strike="noStrike">
+                        <a:solidFill>
+                          <a:srgbClr val="000000"/>
+                        </a:solidFill>
+                        <a:effectLst/>
+                        <a:latin typeface="Calibri" panose="020F0502020204030204" pitchFamily="34" charset="0"/>
+                      </a:endParaRPr>
+                    </a:p>
+                  </a:txBody>
+                  <a:tcPr marL="2797" marR="2797" marT="2797" marB="0" anchor="b"/>
+                </a:tc>
+                <a:tc>
+                  <a:txBody>
+                    <a:bodyPr/>
+                    <a:lstStyle/>
+                    <a:p>
+                      <a:pPr algn="l" fontAlgn="b"/>
+                      <a:r>
+                        <a:rPr lang="fi-FI" sz="700" u="none" strike="noStrike">
+                          <a:effectLst/>
+                        </a:rPr>
+                        <a:t>Tarjoaa sirun Törkkeliin ja sovelluksen kanssa toimivan API:n</a:t>
+                      </a:r>
+                      <a:endParaRPr lang="fi-FI" sz="700" b="0" i="0" u="none" strike="noStrike">
+                        <a:solidFill>
+                          <a:srgbClr val="000000"/>
+                        </a:solidFill>
+                        <a:effectLst/>
+                        <a:latin typeface="Calibri" panose="020F0502020204030204" pitchFamily="34" charset="0"/>
+                      </a:endParaRPr>
+                    </a:p>
+                  </a:txBody>
+                  <a:tcPr marL="2797" marR="2797" marT="2797" marB="0" anchor="b"/>
+                </a:tc>
+                <a:tc>
+                  <a:txBody>
+                    <a:bodyPr/>
+                    <a:lstStyle/>
+                    <a:p>
+                      <a:pPr algn="l" fontAlgn="b"/>
+                      <a:r>
+                        <a:rPr lang="fi-FI" sz="700" u="none" strike="noStrike">
+                          <a:effectLst/>
+                        </a:rPr>
+                        <a:t>Koko projektin ajan mukana toiminnassa</a:t>
+                      </a:r>
+                      <a:endParaRPr lang="fi-FI" sz="700" b="0" i="0" u="none" strike="noStrike">
+                        <a:solidFill>
+                          <a:srgbClr val="000000"/>
+                        </a:solidFill>
+                        <a:effectLst/>
+                        <a:latin typeface="Calibri" panose="020F0502020204030204" pitchFamily="34" charset="0"/>
+                      </a:endParaRPr>
+                    </a:p>
+                  </a:txBody>
+                  <a:tcPr marL="2797" marR="2797" marT="2797" marB="0" anchor="b"/>
+                </a:tc>
+                <a:tc>
+                  <a:txBody>
+                    <a:bodyPr/>
+                    <a:lstStyle/>
+                    <a:p>
+                      <a:pPr algn="l" fontAlgn="b"/>
+                      <a:r>
+                        <a:rPr lang="fi-FI" sz="700" u="none" strike="noStrike">
+                          <a:effectLst/>
+                        </a:rPr>
+                        <a:t>Radiochips-API:n yhteensopivuuteen liittyviä</a:t>
+                      </a:r>
+                      <a:endParaRPr lang="fi-FI" sz="700" b="0" i="0" u="none" strike="noStrike">
+                        <a:solidFill>
+                          <a:srgbClr val="000000"/>
+                        </a:solidFill>
+                        <a:effectLst/>
+                        <a:latin typeface="Calibri" panose="020F0502020204030204" pitchFamily="34" charset="0"/>
+                      </a:endParaRPr>
+                    </a:p>
+                  </a:txBody>
+                  <a:tcPr marL="2797" marR="2797" marT="2797" marB="0" anchor="b"/>
+                </a:tc>
+                <a:extLst>
+                  <a:ext uri="{0D108BD9-81ED-4DB2-BD59-A6C34878D82A}">
+                    <a16:rowId xmlns:a16="http://schemas.microsoft.com/office/drawing/2014/main" val="3985062380"/>
+                  </a:ext>
+                </a:extLst>
+              </a:tr>
+              <a:tr h="452640">
+                <a:tc>
+                  <a:txBody>
+                    <a:bodyPr/>
+                    <a:lstStyle/>
+                    <a:p>
+                      <a:pPr algn="l" fontAlgn="b"/>
+                      <a:r>
+                        <a:rPr lang="fi-FI" sz="700" u="none" strike="noStrike">
+                          <a:effectLst/>
+                        </a:rPr>
+                        <a:t>Käyttäjä</a:t>
+                      </a:r>
+                      <a:endParaRPr lang="fi-FI" sz="700" b="0" i="0" u="none" strike="noStrike">
+                        <a:solidFill>
+                          <a:srgbClr val="000000"/>
+                        </a:solidFill>
+                        <a:effectLst/>
+                        <a:latin typeface="Calibri" panose="020F0502020204030204" pitchFamily="34" charset="0"/>
+                      </a:endParaRPr>
+                    </a:p>
+                  </a:txBody>
+                  <a:tcPr marL="2797" marR="2797" marT="2797" marB="0" anchor="b"/>
+                </a:tc>
+                <a:tc>
+                  <a:txBody>
+                    <a:bodyPr/>
+                    <a:lstStyle/>
+                    <a:p>
+                      <a:pPr algn="l" fontAlgn="b"/>
+                      <a:r>
+                        <a:rPr lang="fi-FI" sz="700" u="none" strike="noStrike">
+                          <a:effectLst/>
+                        </a:rPr>
+                        <a:t>Voima</a:t>
+                      </a:r>
+                      <a:endParaRPr lang="fi-FI" sz="700" b="0" i="0" u="none" strike="noStrike">
+                        <a:solidFill>
+                          <a:srgbClr val="000000"/>
+                        </a:solidFill>
+                        <a:effectLst/>
+                        <a:latin typeface="Calibri" panose="020F0502020204030204" pitchFamily="34" charset="0"/>
+                      </a:endParaRPr>
+                    </a:p>
+                  </a:txBody>
+                  <a:tcPr marL="2797" marR="2797" marT="2797" marB="0" anchor="b"/>
+                </a:tc>
+                <a:tc>
+                  <a:txBody>
+                    <a:bodyPr/>
+                    <a:lstStyle/>
+                    <a:p>
+                      <a:pPr algn="l" fontAlgn="b"/>
+                      <a:r>
+                        <a:rPr lang="fi-FI" sz="700" u="none" strike="noStrike">
+                          <a:effectLst/>
+                        </a:rPr>
+                        <a:t>Törkkelin jälleenmyyjä</a:t>
+                      </a:r>
+                      <a:endParaRPr lang="fi-FI" sz="700" b="0" i="0" u="none" strike="noStrike">
+                        <a:solidFill>
+                          <a:srgbClr val="000000"/>
+                        </a:solidFill>
+                        <a:effectLst/>
+                        <a:latin typeface="Calibri" panose="020F0502020204030204" pitchFamily="34" charset="0"/>
+                      </a:endParaRPr>
+                    </a:p>
+                  </a:txBody>
+                  <a:tcPr marL="2797" marR="2797" marT="2797" marB="0" anchor="b"/>
+                </a:tc>
+                <a:tc>
+                  <a:txBody>
+                    <a:bodyPr/>
+                    <a:lstStyle/>
+                    <a:p>
+                      <a:pPr algn="l" fontAlgn="b"/>
+                      <a:r>
+                        <a:rPr lang="fi-FI" sz="700" u="none" strike="noStrike">
+                          <a:effectLst/>
+                        </a:rPr>
+                        <a:t>Kysely</a:t>
+                      </a:r>
+                      <a:endParaRPr lang="fi-FI" sz="700" b="0" i="0" u="none" strike="noStrike">
+                        <a:solidFill>
+                          <a:srgbClr val="000000"/>
+                        </a:solidFill>
+                        <a:effectLst/>
+                        <a:latin typeface="Calibri" panose="020F0502020204030204" pitchFamily="34" charset="0"/>
+                      </a:endParaRPr>
+                    </a:p>
+                  </a:txBody>
+                  <a:tcPr marL="2797" marR="2797" marT="2797" marB="0" anchor="b"/>
+                </a:tc>
+                <a:tc>
+                  <a:txBody>
+                    <a:bodyPr/>
+                    <a:lstStyle/>
+                    <a:p>
+                      <a:pPr algn="l" fontAlgn="b"/>
+                      <a:r>
+                        <a:rPr lang="fi-FI" sz="700" u="none" strike="noStrike">
+                          <a:effectLst/>
+                        </a:rPr>
+                        <a:t>Myyvät Törkkeliä ja tarjoavat tukipalveluita sovellukselle</a:t>
+                      </a:r>
+                      <a:endParaRPr lang="fi-FI" sz="700" b="0" i="0" u="none" strike="noStrike">
+                        <a:solidFill>
+                          <a:srgbClr val="000000"/>
+                        </a:solidFill>
+                        <a:effectLst/>
+                        <a:latin typeface="Calibri" panose="020F0502020204030204" pitchFamily="34" charset="0"/>
+                      </a:endParaRPr>
+                    </a:p>
+                  </a:txBody>
+                  <a:tcPr marL="2797" marR="2797" marT="2797" marB="0" anchor="b"/>
+                </a:tc>
+                <a:tc>
+                  <a:txBody>
+                    <a:bodyPr/>
+                    <a:lstStyle/>
+                    <a:p>
+                      <a:pPr algn="l" fontAlgn="b"/>
+                      <a:r>
+                        <a:rPr lang="fi-FI" sz="700" u="none" strike="noStrike">
+                          <a:effectLst/>
+                        </a:rPr>
+                        <a:t>Seuraavat sovelluksen kehitystä ja antavat palautetta</a:t>
+                      </a:r>
+                      <a:endParaRPr lang="fi-FI" sz="700" b="0" i="0" u="none" strike="noStrike">
+                        <a:solidFill>
+                          <a:srgbClr val="000000"/>
+                        </a:solidFill>
+                        <a:effectLst/>
+                        <a:latin typeface="Calibri" panose="020F0502020204030204" pitchFamily="34" charset="0"/>
+                      </a:endParaRPr>
+                    </a:p>
+                  </a:txBody>
+                  <a:tcPr marL="2797" marR="2797" marT="2797" marB="0" anchor="b"/>
+                </a:tc>
+                <a:tc>
+                  <a:txBody>
+                    <a:bodyPr/>
+                    <a:lstStyle/>
+                    <a:p>
+                      <a:pPr algn="l" fontAlgn="b"/>
+                      <a:r>
+                        <a:rPr lang="fi-FI" sz="700" u="none" strike="noStrike">
+                          <a:effectLst/>
+                        </a:rPr>
+                        <a:t>Sovelluksen toiminnallisuuteen liittyviä</a:t>
+                      </a:r>
+                      <a:endParaRPr lang="fi-FI" sz="700" b="0" i="0" u="none" strike="noStrike">
+                        <a:solidFill>
+                          <a:srgbClr val="000000"/>
+                        </a:solidFill>
+                        <a:effectLst/>
+                        <a:latin typeface="Calibri" panose="020F0502020204030204" pitchFamily="34" charset="0"/>
+                      </a:endParaRPr>
+                    </a:p>
+                  </a:txBody>
+                  <a:tcPr marL="2797" marR="2797" marT="2797" marB="0" anchor="b"/>
+                </a:tc>
+                <a:extLst>
+                  <a:ext uri="{0D108BD9-81ED-4DB2-BD59-A6C34878D82A}">
+                    <a16:rowId xmlns:a16="http://schemas.microsoft.com/office/drawing/2014/main" val="2206038613"/>
+                  </a:ext>
+                </a:extLst>
+              </a:tr>
+              <a:tr h="452640">
+                <a:tc>
+                  <a:txBody>
+                    <a:bodyPr/>
+                    <a:lstStyle/>
+                    <a:p>
+                      <a:pPr algn="l" fontAlgn="b"/>
+                      <a:r>
+                        <a:rPr lang="fi-FI" sz="700" u="none" strike="noStrike">
+                          <a:effectLst/>
+                        </a:rPr>
+                        <a:t>Käyttäjät</a:t>
+                      </a:r>
+                      <a:endParaRPr lang="fi-FI" sz="700" b="0" i="0" u="none" strike="noStrike">
+                        <a:solidFill>
+                          <a:srgbClr val="000000"/>
+                        </a:solidFill>
+                        <a:effectLst/>
+                        <a:latin typeface="Calibri" panose="020F0502020204030204" pitchFamily="34" charset="0"/>
+                      </a:endParaRPr>
+                    </a:p>
+                  </a:txBody>
+                  <a:tcPr marL="2797" marR="2797" marT="2797" marB="0" anchor="b"/>
+                </a:tc>
+                <a:tc>
+                  <a:txBody>
+                    <a:bodyPr/>
+                    <a:lstStyle/>
+                    <a:p>
+                      <a:pPr algn="l" fontAlgn="b"/>
+                      <a:r>
+                        <a:rPr lang="fi-FI" sz="700" u="none" strike="noStrike">
+                          <a:effectLst/>
+                        </a:rPr>
+                        <a:t>Voimauttajat</a:t>
+                      </a:r>
+                      <a:endParaRPr lang="fi-FI" sz="700" b="0" i="0" u="none" strike="noStrike">
+                        <a:solidFill>
+                          <a:srgbClr val="000000"/>
+                        </a:solidFill>
+                        <a:effectLst/>
+                        <a:latin typeface="Calibri" panose="020F0502020204030204" pitchFamily="34" charset="0"/>
+                      </a:endParaRPr>
+                    </a:p>
+                  </a:txBody>
+                  <a:tcPr marL="2797" marR="2797" marT="2797" marB="0" anchor="b"/>
+                </a:tc>
+                <a:tc>
+                  <a:txBody>
+                    <a:bodyPr/>
+                    <a:lstStyle/>
+                    <a:p>
+                      <a:pPr algn="l" fontAlgn="b"/>
+                      <a:r>
+                        <a:rPr lang="fi-FI" sz="700" u="none" strike="noStrike">
+                          <a:effectLst/>
+                        </a:rPr>
+                        <a:t>Sovelluksen asennus- ja käyttötuen tarjoajat</a:t>
+                      </a:r>
+                      <a:endParaRPr lang="fi-FI" sz="700" b="0" i="0" u="none" strike="noStrike">
+                        <a:solidFill>
+                          <a:srgbClr val="000000"/>
+                        </a:solidFill>
+                        <a:effectLst/>
+                        <a:latin typeface="Calibri" panose="020F0502020204030204" pitchFamily="34" charset="0"/>
+                      </a:endParaRPr>
+                    </a:p>
+                  </a:txBody>
+                  <a:tcPr marL="2797" marR="2797" marT="2797" marB="0" anchor="b"/>
+                </a:tc>
+                <a:tc>
+                  <a:txBody>
+                    <a:bodyPr/>
+                    <a:lstStyle/>
+                    <a:p>
+                      <a:pPr algn="l" fontAlgn="b"/>
+                      <a:r>
+                        <a:rPr lang="fi-FI" sz="700" u="none" strike="noStrike">
+                          <a:effectLst/>
+                        </a:rPr>
+                        <a:t>Kysely</a:t>
+                      </a:r>
+                      <a:endParaRPr lang="fi-FI" sz="700" b="0" i="0" u="none" strike="noStrike">
+                        <a:solidFill>
+                          <a:srgbClr val="000000"/>
+                        </a:solidFill>
+                        <a:effectLst/>
+                        <a:latin typeface="Calibri" panose="020F0502020204030204" pitchFamily="34" charset="0"/>
+                      </a:endParaRPr>
+                    </a:p>
+                  </a:txBody>
+                  <a:tcPr marL="2797" marR="2797" marT="2797" marB="0" anchor="b"/>
+                </a:tc>
+                <a:tc>
+                  <a:txBody>
+                    <a:bodyPr/>
+                    <a:lstStyle/>
+                    <a:p>
+                      <a:pPr algn="l" fontAlgn="b"/>
+                      <a:r>
+                        <a:rPr lang="fi-FI" sz="700" u="none" strike="noStrike">
+                          <a:effectLst/>
+                        </a:rPr>
+                        <a:t>Tarjoavat asiakkaille tukea sovelluksen käytössä</a:t>
+                      </a:r>
+                      <a:endParaRPr lang="fi-FI" sz="700" b="0" i="0" u="none" strike="noStrike">
+                        <a:solidFill>
+                          <a:srgbClr val="000000"/>
+                        </a:solidFill>
+                        <a:effectLst/>
+                        <a:latin typeface="Calibri" panose="020F0502020204030204" pitchFamily="34" charset="0"/>
+                      </a:endParaRPr>
+                    </a:p>
+                  </a:txBody>
+                  <a:tcPr marL="2797" marR="2797" marT="2797" marB="0" anchor="b"/>
+                </a:tc>
+                <a:tc>
+                  <a:txBody>
+                    <a:bodyPr/>
+                    <a:lstStyle/>
+                    <a:p>
+                      <a:pPr algn="l" fontAlgn="b"/>
+                      <a:r>
+                        <a:rPr lang="fi-FI" sz="700" u="none" strike="noStrike">
+                          <a:effectLst/>
+                        </a:rPr>
+                        <a:t>Seuraavat sovelluksen kehitystä ja antavat palautetta</a:t>
+                      </a:r>
+                      <a:endParaRPr lang="fi-FI" sz="700" b="0" i="0" u="none" strike="noStrike">
+                        <a:solidFill>
+                          <a:srgbClr val="000000"/>
+                        </a:solidFill>
+                        <a:effectLst/>
+                        <a:latin typeface="Calibri" panose="020F0502020204030204" pitchFamily="34" charset="0"/>
+                      </a:endParaRPr>
+                    </a:p>
+                  </a:txBody>
+                  <a:tcPr marL="2797" marR="2797" marT="2797" marB="0" anchor="b"/>
+                </a:tc>
+                <a:tc>
+                  <a:txBody>
+                    <a:bodyPr/>
+                    <a:lstStyle/>
+                    <a:p>
+                      <a:pPr algn="l" fontAlgn="b"/>
+                      <a:r>
+                        <a:rPr lang="fi-FI" sz="700" u="none" strike="noStrike">
+                          <a:effectLst/>
+                        </a:rPr>
+                        <a:t>Sovelluksen toiminnallisuuteen liittyviä</a:t>
+                      </a:r>
+                      <a:endParaRPr lang="fi-FI" sz="700" b="0" i="0" u="none" strike="noStrike">
+                        <a:solidFill>
+                          <a:srgbClr val="000000"/>
+                        </a:solidFill>
+                        <a:effectLst/>
+                        <a:latin typeface="Calibri" panose="020F0502020204030204" pitchFamily="34" charset="0"/>
+                      </a:endParaRPr>
+                    </a:p>
+                  </a:txBody>
+                  <a:tcPr marL="2797" marR="2797" marT="2797" marB="0" anchor="b"/>
+                </a:tc>
+                <a:extLst>
+                  <a:ext uri="{0D108BD9-81ED-4DB2-BD59-A6C34878D82A}">
+                    <a16:rowId xmlns:a16="http://schemas.microsoft.com/office/drawing/2014/main" val="1087657420"/>
+                  </a:ext>
+                </a:extLst>
+              </a:tr>
+              <a:tr h="452640">
+                <a:tc>
+                  <a:txBody>
+                    <a:bodyPr/>
+                    <a:lstStyle/>
+                    <a:p>
+                      <a:pPr algn="l" fontAlgn="b"/>
+                      <a:r>
+                        <a:rPr lang="fi-FI" sz="700" u="none" strike="noStrike">
+                          <a:effectLst/>
+                        </a:rPr>
+                        <a:t>Käyttäjät</a:t>
+                      </a:r>
+                      <a:endParaRPr lang="fi-FI" sz="700" b="0" i="0" u="none" strike="noStrike">
+                        <a:solidFill>
+                          <a:srgbClr val="000000"/>
+                        </a:solidFill>
+                        <a:effectLst/>
+                        <a:latin typeface="Calibri" panose="020F0502020204030204" pitchFamily="34" charset="0"/>
+                      </a:endParaRPr>
+                    </a:p>
+                  </a:txBody>
+                  <a:tcPr marL="2797" marR="2797" marT="2797" marB="0" anchor="b"/>
+                </a:tc>
+                <a:tc>
+                  <a:txBody>
+                    <a:bodyPr/>
+                    <a:lstStyle/>
+                    <a:p>
+                      <a:pPr algn="l" fontAlgn="b"/>
+                      <a:r>
+                        <a:rPr lang="fi-FI" sz="700" u="none" strike="noStrike">
+                          <a:effectLst/>
+                        </a:rPr>
+                        <a:t>Kehittäjät</a:t>
+                      </a:r>
+                      <a:endParaRPr lang="fi-FI" sz="700" b="0" i="0" u="none" strike="noStrike">
+                        <a:solidFill>
+                          <a:srgbClr val="000000"/>
+                        </a:solidFill>
+                        <a:effectLst/>
+                        <a:latin typeface="Calibri" panose="020F0502020204030204" pitchFamily="34" charset="0"/>
+                      </a:endParaRPr>
+                    </a:p>
+                  </a:txBody>
+                  <a:tcPr marL="2797" marR="2797" marT="2797" marB="0" anchor="b"/>
+                </a:tc>
+                <a:tc>
+                  <a:txBody>
+                    <a:bodyPr/>
+                    <a:lstStyle/>
+                    <a:p>
+                      <a:pPr algn="l" fontAlgn="b"/>
+                      <a:r>
+                        <a:rPr lang="fi-FI" sz="700" u="none" strike="noStrike">
+                          <a:effectLst/>
+                        </a:rPr>
+                        <a:t>Sovelluksta kehittävät henkilöt</a:t>
+                      </a:r>
+                      <a:endParaRPr lang="fi-FI" sz="700" b="0" i="0" u="none" strike="noStrike">
+                        <a:solidFill>
+                          <a:srgbClr val="000000"/>
+                        </a:solidFill>
+                        <a:effectLst/>
+                        <a:latin typeface="Calibri" panose="020F0502020204030204" pitchFamily="34" charset="0"/>
+                      </a:endParaRPr>
+                    </a:p>
+                  </a:txBody>
+                  <a:tcPr marL="2797" marR="2797" marT="2797" marB="0" anchor="b"/>
+                </a:tc>
+                <a:tc>
+                  <a:txBody>
+                    <a:bodyPr/>
+                    <a:lstStyle/>
+                    <a:p>
+                      <a:pPr algn="l" fontAlgn="b"/>
+                      <a:r>
+                        <a:rPr lang="fi-FI" sz="700" u="none" strike="noStrike">
+                          <a:effectLst/>
+                        </a:rPr>
+                        <a:t>Aivoriihi</a:t>
+                      </a:r>
+                      <a:endParaRPr lang="fi-FI" sz="700" b="0" i="0" u="none" strike="noStrike">
+                        <a:solidFill>
+                          <a:srgbClr val="000000"/>
+                        </a:solidFill>
+                        <a:effectLst/>
+                        <a:latin typeface="Calibri" panose="020F0502020204030204" pitchFamily="34" charset="0"/>
+                      </a:endParaRPr>
+                    </a:p>
+                  </a:txBody>
+                  <a:tcPr marL="2797" marR="2797" marT="2797" marB="0" anchor="b"/>
+                </a:tc>
+                <a:tc>
+                  <a:txBody>
+                    <a:bodyPr/>
+                    <a:lstStyle/>
+                    <a:p>
+                      <a:pPr algn="l" fontAlgn="b"/>
+                      <a:r>
+                        <a:rPr lang="fi-FI" sz="700" u="none" strike="noStrike">
+                          <a:effectLst/>
+                        </a:rPr>
+                        <a:t>Ylläpitävät sovellusta</a:t>
+                      </a:r>
+                      <a:endParaRPr lang="fi-FI" sz="700" b="0" i="0" u="none" strike="noStrike">
+                        <a:solidFill>
+                          <a:srgbClr val="000000"/>
+                        </a:solidFill>
+                        <a:effectLst/>
+                        <a:latin typeface="Calibri" panose="020F0502020204030204" pitchFamily="34" charset="0"/>
+                      </a:endParaRPr>
+                    </a:p>
+                  </a:txBody>
+                  <a:tcPr marL="2797" marR="2797" marT="2797" marB="0" anchor="b"/>
+                </a:tc>
+                <a:tc>
+                  <a:txBody>
+                    <a:bodyPr/>
+                    <a:lstStyle/>
+                    <a:p>
+                      <a:pPr algn="l" fontAlgn="b"/>
+                      <a:r>
+                        <a:rPr lang="fi-FI" sz="700" u="none" strike="noStrike">
+                          <a:effectLst/>
+                        </a:rPr>
+                        <a:t>Koko projektin ajan mukana toiminnassa</a:t>
+                      </a:r>
+                      <a:endParaRPr lang="fi-FI" sz="700" b="0" i="0" u="none" strike="noStrike">
+                        <a:solidFill>
+                          <a:srgbClr val="000000"/>
+                        </a:solidFill>
+                        <a:effectLst/>
+                        <a:latin typeface="Calibri" panose="020F0502020204030204" pitchFamily="34" charset="0"/>
+                      </a:endParaRPr>
+                    </a:p>
+                  </a:txBody>
+                  <a:tcPr marL="2797" marR="2797" marT="2797" marB="0" anchor="b"/>
+                </a:tc>
+                <a:tc>
+                  <a:txBody>
+                    <a:bodyPr/>
+                    <a:lstStyle/>
+                    <a:p>
+                      <a:pPr algn="l" fontAlgn="b"/>
+                      <a:r>
+                        <a:rPr lang="fi-FI" sz="700" u="none" strike="noStrike">
+                          <a:effectLst/>
+                        </a:rPr>
+                        <a:t>Sovelluksen toiminnallisuuteen liittyviä</a:t>
+                      </a:r>
+                      <a:endParaRPr lang="fi-FI" sz="700" b="0" i="0" u="none" strike="noStrike">
+                        <a:solidFill>
+                          <a:srgbClr val="000000"/>
+                        </a:solidFill>
+                        <a:effectLst/>
+                        <a:latin typeface="Calibri" panose="020F0502020204030204" pitchFamily="34" charset="0"/>
+                      </a:endParaRPr>
+                    </a:p>
+                  </a:txBody>
+                  <a:tcPr marL="2797" marR="2797" marT="2797" marB="0" anchor="b"/>
+                </a:tc>
+                <a:extLst>
+                  <a:ext uri="{0D108BD9-81ED-4DB2-BD59-A6C34878D82A}">
+                    <a16:rowId xmlns:a16="http://schemas.microsoft.com/office/drawing/2014/main" val="1019634691"/>
+                  </a:ext>
+                </a:extLst>
+              </a:tr>
+              <a:tr h="452640">
+                <a:tc>
+                  <a:txBody>
+                    <a:bodyPr/>
+                    <a:lstStyle/>
+                    <a:p>
+                      <a:pPr algn="l" fontAlgn="b"/>
+                      <a:r>
+                        <a:rPr lang="fi-FI" sz="700" u="none" strike="noStrike">
+                          <a:effectLst/>
+                        </a:rPr>
+                        <a:t>Kuluttajat</a:t>
+                      </a:r>
+                      <a:endParaRPr lang="fi-FI" sz="700" b="0" i="0" u="none" strike="noStrike">
+                        <a:solidFill>
+                          <a:srgbClr val="000000"/>
+                        </a:solidFill>
+                        <a:effectLst/>
+                        <a:latin typeface="Calibri" panose="020F0502020204030204" pitchFamily="34" charset="0"/>
+                      </a:endParaRPr>
+                    </a:p>
+                  </a:txBody>
+                  <a:tcPr marL="2797" marR="2797" marT="2797" marB="0" anchor="b"/>
+                </a:tc>
+                <a:tc>
+                  <a:txBody>
+                    <a:bodyPr/>
+                    <a:lstStyle/>
+                    <a:p>
+                      <a:pPr algn="l" fontAlgn="b"/>
+                      <a:r>
+                        <a:rPr lang="fi-FI" sz="700" u="none" strike="noStrike">
+                          <a:effectLst/>
+                        </a:rPr>
+                        <a:t>Voiman asiakkaat</a:t>
+                      </a:r>
+                      <a:endParaRPr lang="fi-FI" sz="700" b="0" i="0" u="none" strike="noStrike">
+                        <a:solidFill>
+                          <a:srgbClr val="000000"/>
+                        </a:solidFill>
+                        <a:effectLst/>
+                        <a:latin typeface="Calibri" panose="020F0502020204030204" pitchFamily="34" charset="0"/>
+                      </a:endParaRPr>
+                    </a:p>
+                  </a:txBody>
+                  <a:tcPr marL="2797" marR="2797" marT="2797" marB="0" anchor="b"/>
+                </a:tc>
+                <a:tc>
+                  <a:txBody>
+                    <a:bodyPr/>
+                    <a:lstStyle/>
+                    <a:p>
+                      <a:pPr algn="l" fontAlgn="b"/>
+                      <a:r>
+                        <a:rPr lang="fi-FI" sz="700" u="none" strike="noStrike">
+                          <a:effectLst/>
+                        </a:rPr>
+                        <a:t>Käyttävät sovellusta ja sen antamia tietoja arkielämässä</a:t>
+                      </a:r>
+                      <a:endParaRPr lang="fi-FI" sz="700" b="0" i="0" u="none" strike="noStrike">
+                        <a:solidFill>
+                          <a:srgbClr val="000000"/>
+                        </a:solidFill>
+                        <a:effectLst/>
+                        <a:latin typeface="Calibri" panose="020F0502020204030204" pitchFamily="34" charset="0"/>
+                      </a:endParaRPr>
+                    </a:p>
+                  </a:txBody>
+                  <a:tcPr marL="2797" marR="2797" marT="2797" marB="0" anchor="b"/>
+                </a:tc>
+                <a:tc>
+                  <a:txBody>
+                    <a:bodyPr/>
+                    <a:lstStyle/>
+                    <a:p>
+                      <a:pPr algn="l" fontAlgn="b"/>
+                      <a:r>
+                        <a:rPr lang="fi-FI" sz="700" u="none" strike="noStrike">
+                          <a:effectLst/>
+                        </a:rPr>
+                        <a:t>Kysely</a:t>
+                      </a:r>
+                      <a:endParaRPr lang="fi-FI" sz="700" b="0" i="0" u="none" strike="noStrike">
+                        <a:solidFill>
+                          <a:srgbClr val="000000"/>
+                        </a:solidFill>
+                        <a:effectLst/>
+                        <a:latin typeface="Calibri" panose="020F0502020204030204" pitchFamily="34" charset="0"/>
+                      </a:endParaRPr>
+                    </a:p>
+                  </a:txBody>
+                  <a:tcPr marL="2797" marR="2797" marT="2797" marB="0" anchor="b"/>
+                </a:tc>
+                <a:tc>
+                  <a:txBody>
+                    <a:bodyPr/>
+                    <a:lstStyle/>
+                    <a:p>
+                      <a:pPr algn="l" fontAlgn="b"/>
+                      <a:r>
+                        <a:rPr lang="fi-FI" sz="700" u="none" strike="noStrike">
+                          <a:effectLst/>
+                        </a:rPr>
+                        <a:t>Sovellus tehdään heitä varten</a:t>
+                      </a:r>
+                      <a:endParaRPr lang="fi-FI" sz="700" b="0" i="0" u="none" strike="noStrike">
+                        <a:solidFill>
+                          <a:srgbClr val="000000"/>
+                        </a:solidFill>
+                        <a:effectLst/>
+                        <a:latin typeface="Calibri" panose="020F0502020204030204" pitchFamily="34" charset="0"/>
+                      </a:endParaRPr>
+                    </a:p>
+                  </a:txBody>
+                  <a:tcPr marL="2797" marR="2797" marT="2797" marB="0" anchor="b"/>
+                </a:tc>
+                <a:tc>
+                  <a:txBody>
+                    <a:bodyPr/>
+                    <a:lstStyle/>
+                    <a:p>
+                      <a:pPr algn="l" fontAlgn="b"/>
+                      <a:r>
+                        <a:rPr lang="fi-FI" sz="700" u="none" strike="noStrike">
+                          <a:effectLst/>
+                        </a:rPr>
+                        <a:t>Antavat palautetta sovelluksen toiminnasta</a:t>
+                      </a:r>
+                      <a:endParaRPr lang="fi-FI" sz="700" b="0" i="0" u="none" strike="noStrike">
+                        <a:solidFill>
+                          <a:srgbClr val="000000"/>
+                        </a:solidFill>
+                        <a:effectLst/>
+                        <a:latin typeface="Calibri" panose="020F0502020204030204" pitchFamily="34" charset="0"/>
+                      </a:endParaRPr>
+                    </a:p>
+                  </a:txBody>
+                  <a:tcPr marL="2797" marR="2797" marT="2797" marB="0" anchor="b"/>
+                </a:tc>
+                <a:tc>
+                  <a:txBody>
+                    <a:bodyPr/>
+                    <a:lstStyle/>
+                    <a:p>
+                      <a:pPr algn="l" fontAlgn="b"/>
+                      <a:r>
+                        <a:rPr lang="fi-FI" sz="700" u="none" strike="noStrike" dirty="0">
+                          <a:effectLst/>
+                        </a:rPr>
+                        <a:t>Sovelluksen luotettavuuteen ja toimintaan sekä tietoturvallisuuteen liittyviä </a:t>
+                      </a:r>
+                      <a:endParaRPr lang="fi-FI" sz="700" b="0" i="0" u="none" strike="noStrike" dirty="0">
+                        <a:solidFill>
+                          <a:srgbClr val="000000"/>
+                        </a:solidFill>
+                        <a:effectLst/>
+                        <a:latin typeface="Calibri" panose="020F0502020204030204" pitchFamily="34" charset="0"/>
+                      </a:endParaRPr>
+                    </a:p>
+                  </a:txBody>
+                  <a:tcPr marL="2797" marR="2797" marT="2797" marB="0" anchor="b"/>
+                </a:tc>
+                <a:extLst>
+                  <a:ext uri="{0D108BD9-81ED-4DB2-BD59-A6C34878D82A}">
+                    <a16:rowId xmlns:a16="http://schemas.microsoft.com/office/drawing/2014/main" val="3321297312"/>
+                  </a:ext>
+                </a:extLst>
+              </a:tr>
+            </a:tbl>
+          </a:graphicData>
+        </a:graphic>
+      </p:graphicFrame>
+    </p:spTree>
+    <p:extLst>
+      <p:ext uri="{BB962C8B-B14F-4D97-AF65-F5344CB8AC3E}">
+        <p14:creationId xmlns:p14="http://schemas.microsoft.com/office/powerpoint/2010/main" val="1454597197"/>
+      </p:ext>
+    </p:extLst>
+  </p:cSld>
+  <p:clrMapOvr>
+    <a:masterClrMapping/>
+  </p:clrMapOvr>
+</p:sld>
+</file>
+
+<file path=ppt/slides/slide7.xml><?xml version="1.0" encoding="utf-8"?>
+<p:sld xmlns:a="http://schemas.openxmlformats.org/drawingml/2006/main" xmlns:r="http://schemas.openxmlformats.org/officeDocument/2006/relationships" xmlns:p="http://schemas.openxmlformats.org/presentationml/2006/main">
+  <p:cSld>
+    <p:spTree>
+      <p:nvGrpSpPr>
+        <p:cNvPr id="1" name=""/>
+        <p:cNvGrpSpPr/>
+        <p:nvPr/>
+      </p:nvGrpSpPr>
+      <p:grpSpPr>
+        <a:xfrm>
+          <a:off x="0" y="0"/>
+          <a:ext cx="0" cy="0"/>
+          <a:chOff x="0" y="0"/>
+          <a:chExt cx="0" cy="0"/>
+        </a:xfrm>
+      </p:grpSpPr>
+      <p:sp>
+        <p:nvSpPr>
           <p:cNvPr id="2" name="Tekstin paikkamerkki 1">
             <a:extLst>
               <a:ext uri="{FF2B5EF4-FFF2-40B4-BE49-F238E27FC236}">
@@ -17672,7 +19224,7 @@
           <a:p>
             <a:fld id="{81D2C36F-4504-47C0-B82F-A167342A2754}" type="slidenum">
               <a:rPr lang="en-US" smtClean="0"/>
-              <a:t>6</a:t>
+              <a:t>7</a:t>
             </a:fld>
             <a:endParaRPr lang="en-US" dirty="0"/>
           </a:p>
@@ -17691,7 +19243,7 @@
 </p:sld>
 </file>
 
-<file path=ppt/slides/slide7.xml><?xml version="1.0" encoding="utf-8"?>
+<file path=ppt/slides/slide8.xml><?xml version="1.0" encoding="utf-8"?>
 <p:sld xmlns:a="http://schemas.openxmlformats.org/drawingml/2006/main" xmlns:r="http://schemas.openxmlformats.org/officeDocument/2006/relationships" xmlns:p="http://schemas.openxmlformats.org/presentationml/2006/main">
   <p:cSld>
     <p:spTree>
@@ -17774,7 +19326,7 @@
           <a:p>
             <a:fld id="{CFBEA57F-793F-4683-BD8A-741FD4B89154}" type="datetime1">
               <a:rPr lang="en-US" smtClean="0"/>
-              <a:t>3/12/23</a:t>
+              <a:t>3/12/2023</a:t>
             </a:fld>
             <a:endParaRPr lang="en-US" dirty="0"/>
           </a:p>
@@ -17828,12 +19380,42 @@
           <a:p>
             <a:fld id="{81D2C36F-4504-47C0-B82F-A167342A2754}" type="slidenum">
               <a:rPr lang="en-US" smtClean="0"/>
-              <a:t>7</a:t>
+              <a:t>8</a:t>
             </a:fld>
             <a:endParaRPr lang="en-US" dirty="0"/>
           </a:p>
         </p:txBody>
       </p:sp>
+      <p:pic>
+        <p:nvPicPr>
+          <p:cNvPr id="2" name="Kuva 1">
+            <a:extLst>
+              <a:ext uri="{FF2B5EF4-FFF2-40B4-BE49-F238E27FC236}">
+                <a16:creationId xmlns:a16="http://schemas.microsoft.com/office/drawing/2014/main" id="{25F42D04-40B8-824E-1CFC-70C20564EF9C}"/>
+              </a:ext>
+            </a:extLst>
+          </p:cNvPr>
+          <p:cNvPicPr>
+            <a:picLocks noChangeAspect="1"/>
+          </p:cNvPicPr>
+          <p:nvPr/>
+        </p:nvPicPr>
+        <p:blipFill>
+          <a:blip r:embed="rId2"/>
+          <a:stretch>
+            <a:fillRect/>
+          </a:stretch>
+        </p:blipFill>
+        <p:spPr>
+          <a:xfrm>
+            <a:off x="2672080" y="1956124"/>
+            <a:ext cx="6295963" cy="3784276"/>
+          </a:xfrm>
+          <a:prstGeom prst="rect">
+            <a:avLst/>
+          </a:prstGeom>
+        </p:spPr>
+      </p:pic>
     </p:spTree>
     <p:extLst>
       <p:ext uri="{BB962C8B-B14F-4D97-AF65-F5344CB8AC3E}">
@@ -17847,7 +19429,7 @@
 </p:sld>
 </file>
 
-<file path=ppt/slides/slide8.xml><?xml version="1.0" encoding="utf-8"?>
+<file path=ppt/slides/slide9.xml><?xml version="1.0" encoding="utf-8"?>
 <p:sld xmlns:a="http://schemas.openxmlformats.org/drawingml/2006/main" xmlns:r="http://schemas.openxmlformats.org/officeDocument/2006/relationships" xmlns:p="http://schemas.openxmlformats.org/presentationml/2006/main">
   <p:cSld>
     <p:spTree>

--- a/R140-JOTU2023-1esitys-vZ.pptx
+++ b/R140-JOTU2023-1esitys-vZ.pptx
@@ -19154,7 +19154,7 @@
           <a:bodyPr/>
           <a:lstStyle/>
           <a:p>
-            <a:endParaRPr lang="fi-FI"/>
+            <a:endParaRPr lang="fi-FI" dirty="0"/>
           </a:p>
         </p:txBody>
       </p:sp>
@@ -19230,6 +19230,36 @@
           </a:p>
         </p:txBody>
       </p:sp>
+      <p:pic>
+        <p:nvPicPr>
+          <p:cNvPr id="6" name="Kuva 5">
+            <a:extLst>
+              <a:ext uri="{FF2B5EF4-FFF2-40B4-BE49-F238E27FC236}">
+                <a16:creationId xmlns:a16="http://schemas.microsoft.com/office/drawing/2014/main" id="{7C5AF5EF-6238-AC99-6087-31D74670C825}"/>
+              </a:ext>
+            </a:extLst>
+          </p:cNvPr>
+          <p:cNvPicPr>
+            <a:picLocks noChangeAspect="1"/>
+          </p:cNvPicPr>
+          <p:nvPr/>
+        </p:nvPicPr>
+        <p:blipFill>
+          <a:blip r:embed="rId2"/>
+          <a:stretch>
+            <a:fillRect/>
+          </a:stretch>
+        </p:blipFill>
+        <p:spPr>
+          <a:xfrm>
+            <a:off x="184124" y="1950720"/>
+            <a:ext cx="10897896" cy="3908212"/>
+          </a:xfrm>
+          <a:prstGeom prst="rect">
+            <a:avLst/>
+          </a:prstGeom>
+        </p:spPr>
+      </p:pic>
     </p:spTree>
     <p:extLst>
       <p:ext uri="{BB962C8B-B14F-4D97-AF65-F5344CB8AC3E}">
